--- a/Inventory management system.pptx
+++ b/Inventory management system.pptx
@@ -6159,7 +6159,7 @@
         <p:spPr>
           <a:xfrm>
             <a:off x="4168833" y="3100648"/>
-            <a:ext cx="7020098" cy="2862322"/>
+            <a:ext cx="7020098" cy="3139321"/>
           </a:xfrm>
           <a:prstGeom prst="rect">
             <a:avLst/>
@@ -6189,14 +6189,28 @@
               <a:t>ect</a:t>
             </a:r>
             <a:r>
+              <a:rPr lang="en-GB" smtClean="0"/>
+              <a:t>..</a:t>
+            </a:r>
+          </a:p>
+          <a:p>
+            <a:endParaRPr lang="en-GB" dirty="0" smtClean="0"/>
+          </a:p>
+          <a:p>
+            <a:r>
               <a:rPr lang="en-GB" dirty="0" smtClean="0"/>
-              <a:t>..</a:t>
-            </a:r>
+              <a:t>This allows readability of code meaning it is easier to </a:t>
+            </a:r>
+            <a:endParaRPr lang="en-GB" dirty="0"/>
           </a:p>
           <a:p>
             <a:r>
               <a:rPr lang="en-GB" dirty="0" smtClean="0"/>
-              <a:t>This allows readability of code meaning it is easier to understand which is critical in coding as work is rarely a solo job.</a:t>
+              <a:t>understand </a:t>
+            </a:r>
+            <a:r>
+              <a:rPr lang="en-GB" dirty="0" smtClean="0"/>
+              <a:t>which is critical in coding as work is rarely a solo job.</a:t>
             </a:r>
           </a:p>
           <a:p>
